--- a/Review 1 presentation.pptx
+++ b/Review 1 presentation.pptx
@@ -14983,10 +14983,10 @@
       </p:sp>
       <p:pic>
         <p:nvPicPr>
-          <p:cNvPr id="5" name="Picture 4">
+          <p:cNvPr id="3" name="Picture 2">
             <a:extLst>
               <a:ext uri="{FF2B5EF4-FFF2-40B4-BE49-F238E27FC236}">
-                <a16:creationId xmlns:a16="http://schemas.microsoft.com/office/drawing/2014/main" id="{57FA76FF-B2EA-91F5-284B-A95AB982AAF0}"/>
+                <a16:creationId xmlns:a16="http://schemas.microsoft.com/office/drawing/2014/main" id="{374E2A53-7744-D471-72E5-E3814DA105E4}"/>
               </a:ext>
             </a:extLst>
           </p:cNvPr>
@@ -15003,8 +15003,8 @@
         </p:blipFill>
         <p:spPr>
           <a:xfrm>
-            <a:off x="1104555" y="61546"/>
-            <a:ext cx="8875059" cy="6858000"/>
+            <a:off x="2338771" y="1067790"/>
+            <a:ext cx="7514458" cy="5675909"/>
           </a:xfrm>
           <a:prstGeom prst="rect">
             <a:avLst/>
@@ -15092,10 +15092,10 @@
       </p:sp>
       <p:pic>
         <p:nvPicPr>
-          <p:cNvPr id="3" name="Picture 2">
+          <p:cNvPr id="4" name="Picture 3">
             <a:extLst>
               <a:ext uri="{FF2B5EF4-FFF2-40B4-BE49-F238E27FC236}">
-                <a16:creationId xmlns:a16="http://schemas.microsoft.com/office/drawing/2014/main" id="{B8D8BA72-AC8F-3DE2-10EB-14F376E330E3}"/>
+                <a16:creationId xmlns:a16="http://schemas.microsoft.com/office/drawing/2014/main" id="{C1A3C5D3-EA34-71A9-1033-FA3752156A6E}"/>
               </a:ext>
             </a:extLst>
           </p:cNvPr>
@@ -15112,8 +15112,8 @@
         </p:blipFill>
         <p:spPr>
           <a:xfrm>
-            <a:off x="1552576" y="-70338"/>
-            <a:ext cx="6255723" cy="6858000"/>
+            <a:off x="1409621" y="96715"/>
+            <a:ext cx="6770233" cy="6858000"/>
           </a:xfrm>
           <a:prstGeom prst="rect">
             <a:avLst/>
@@ -15201,10 +15201,10 @@
       </p:sp>
       <p:pic>
         <p:nvPicPr>
-          <p:cNvPr id="5" name="Picture 4">
+          <p:cNvPr id="3" name="Picture 2">
             <a:extLst>
               <a:ext uri="{FF2B5EF4-FFF2-40B4-BE49-F238E27FC236}">
-                <a16:creationId xmlns:a16="http://schemas.microsoft.com/office/drawing/2014/main" id="{62F338D8-AA0F-21EB-C820-78A5770FB2A6}"/>
+                <a16:creationId xmlns:a16="http://schemas.microsoft.com/office/drawing/2014/main" id="{AE422E51-8827-4585-C398-EB4FB40F121E}"/>
               </a:ext>
             </a:extLst>
           </p:cNvPr>
@@ -15221,8 +15221,8 @@
         </p:blipFill>
         <p:spPr>
           <a:xfrm>
-            <a:off x="1021615" y="1080968"/>
-            <a:ext cx="8549105" cy="5777031"/>
+            <a:off x="1447806" y="1292469"/>
+            <a:ext cx="8451593" cy="5416062"/>
           </a:xfrm>
           <a:prstGeom prst="rect">
             <a:avLst/>
